--- a/MoMoviesPrez_WithCode.pptx
+++ b/MoMoviesPrez_WithCode.pptx
@@ -197,516 +197,6 @@
     </pc:docChg>
   </pc:docChgLst>
   <pc:docChgLst>
-    <pc:chgData name="Christopher Turner" userId="108b2705a18cd39f" providerId="LiveId" clId="{D6C44517-C345-4DCA-92BC-26BBAFC02020}"/>
-    <pc:docChg chg="undo custSel addSld delSld modSld sldOrd">
-      <pc:chgData name="Christopher Turner" userId="108b2705a18cd39f" providerId="LiveId" clId="{D6C44517-C345-4DCA-92BC-26BBAFC02020}" dt="2024-07-25T20:26:51.028" v="2019" actId="478"/>
-      <pc:docMkLst>
-        <pc:docMk/>
-      </pc:docMkLst>
-      <pc:sldChg chg="delSp modSp mod ord modShow">
-        <pc:chgData name="Christopher Turner" userId="108b2705a18cd39f" providerId="LiveId" clId="{D6C44517-C345-4DCA-92BC-26BBAFC02020}" dt="2024-07-25T20:26:51.028" v="2019" actId="478"/>
-        <pc:sldMkLst>
-          <pc:docMk/>
-          <pc:sldMk cId="3748667521" sldId="256"/>
-        </pc:sldMkLst>
-        <pc:spChg chg="mod">
-          <ac:chgData name="Christopher Turner" userId="108b2705a18cd39f" providerId="LiveId" clId="{D6C44517-C345-4DCA-92BC-26BBAFC02020}" dt="2024-07-25T20:26:44.142" v="2016" actId="6549"/>
-          <ac:spMkLst>
-            <pc:docMk/>
-            <pc:sldMk cId="3748667521" sldId="256"/>
-            <ac:spMk id="6" creationId="{33CDDC14-D7C0-4FC6-8360-4E6E50174088}"/>
-          </ac:spMkLst>
-        </pc:spChg>
-        <pc:spChg chg="mod">
-          <ac:chgData name="Christopher Turner" userId="108b2705a18cd39f" providerId="LiveId" clId="{D6C44517-C345-4DCA-92BC-26BBAFC02020}" dt="2024-07-25T19:34:50.859" v="770" actId="20577"/>
-          <ac:spMkLst>
-            <pc:docMk/>
-            <pc:sldMk cId="3748667521" sldId="256"/>
-            <ac:spMk id="21" creationId="{00000000-0000-0000-0000-000000000000}"/>
-          </ac:spMkLst>
-        </pc:spChg>
-        <pc:spChg chg="mod">
-          <ac:chgData name="Christopher Turner" userId="108b2705a18cd39f" providerId="LiveId" clId="{D6C44517-C345-4DCA-92BC-26BBAFC02020}" dt="2024-07-25T19:36:51.998" v="902" actId="20577"/>
-          <ac:spMkLst>
-            <pc:docMk/>
-            <pc:sldMk cId="3748667521" sldId="256"/>
-            <ac:spMk id="22" creationId="{00000000-0000-0000-0000-000000000000}"/>
-          </ac:spMkLst>
-        </pc:spChg>
-        <pc:spChg chg="del mod">
-          <ac:chgData name="Christopher Turner" userId="108b2705a18cd39f" providerId="LiveId" clId="{D6C44517-C345-4DCA-92BC-26BBAFC02020}" dt="2024-07-25T20:26:51.028" v="2019" actId="478"/>
-          <ac:spMkLst>
-            <pc:docMk/>
-            <pc:sldMk cId="3748667521" sldId="256"/>
-            <ac:spMk id="23" creationId="{00000000-0000-0000-0000-000000000000}"/>
-          </ac:spMkLst>
-        </pc:spChg>
-        <pc:grpChg chg="del">
-          <ac:chgData name="Christopher Turner" userId="108b2705a18cd39f" providerId="LiveId" clId="{D6C44517-C345-4DCA-92BC-26BBAFC02020}" dt="2024-07-25T20:26:46.831" v="2017" actId="478"/>
-          <ac:grpSpMkLst>
-            <pc:docMk/>
-            <pc:sldMk cId="3748667521" sldId="256"/>
-            <ac:grpSpMk id="4" creationId="{E07FEDDE-7BE3-4AF0-89AC-8212D722B9B0}"/>
-          </ac:grpSpMkLst>
-        </pc:grpChg>
-      </pc:sldChg>
-      <pc:sldChg chg="del">
-        <pc:chgData name="Christopher Turner" userId="108b2705a18cd39f" providerId="LiveId" clId="{D6C44517-C345-4DCA-92BC-26BBAFC02020}" dt="2024-07-25T19:20:31.092" v="127" actId="2696"/>
-        <pc:sldMkLst>
-          <pc:docMk/>
-          <pc:sldMk cId="1683866232" sldId="257"/>
-        </pc:sldMkLst>
-      </pc:sldChg>
-      <pc:sldChg chg="modSp mod">
-        <pc:chgData name="Christopher Turner" userId="108b2705a18cd39f" providerId="LiveId" clId="{D6C44517-C345-4DCA-92BC-26BBAFC02020}" dt="2024-07-25T19:32:29.466" v="666" actId="20577"/>
-        <pc:sldMkLst>
-          <pc:docMk/>
-          <pc:sldMk cId="2385032039" sldId="258"/>
-        </pc:sldMkLst>
-        <pc:spChg chg="mod">
-          <ac:chgData name="Christopher Turner" userId="108b2705a18cd39f" providerId="LiveId" clId="{D6C44517-C345-4DCA-92BC-26BBAFC02020}" dt="2024-07-25T19:32:00.052" v="658" actId="20577"/>
-          <ac:spMkLst>
-            <pc:docMk/>
-            <pc:sldMk cId="2385032039" sldId="258"/>
-            <ac:spMk id="2" creationId="{00000000-0000-0000-0000-000000000000}"/>
-          </ac:spMkLst>
-        </pc:spChg>
-        <pc:spChg chg="mod">
-          <ac:chgData name="Christopher Turner" userId="108b2705a18cd39f" providerId="LiveId" clId="{D6C44517-C345-4DCA-92BC-26BBAFC02020}" dt="2024-07-25T19:32:29.466" v="666" actId="20577"/>
-          <ac:spMkLst>
-            <pc:docMk/>
-            <pc:sldMk cId="2385032039" sldId="258"/>
-            <ac:spMk id="3" creationId="{00000000-0000-0000-0000-000000000000}"/>
-          </ac:spMkLst>
-        </pc:spChg>
-      </pc:sldChg>
-      <pc:sldChg chg="addSp delSp modSp mod">
-        <pc:chgData name="Christopher Turner" userId="108b2705a18cd39f" providerId="LiveId" clId="{D6C44517-C345-4DCA-92BC-26BBAFC02020}" dt="2024-07-25T19:30:10.700" v="607" actId="478"/>
-        <pc:sldMkLst>
-          <pc:docMk/>
-          <pc:sldMk cId="3382765918" sldId="259"/>
-        </pc:sldMkLst>
-        <pc:spChg chg="mod">
-          <ac:chgData name="Christopher Turner" userId="108b2705a18cd39f" providerId="LiveId" clId="{D6C44517-C345-4DCA-92BC-26BBAFC02020}" dt="2024-07-25T19:22:54.742" v="255" actId="1076"/>
-          <ac:spMkLst>
-            <pc:docMk/>
-            <pc:sldMk cId="3382765918" sldId="259"/>
-            <ac:spMk id="2" creationId="{00000000-0000-0000-0000-000000000000}"/>
-          </ac:spMkLst>
-        </pc:spChg>
-        <pc:spChg chg="mod">
-          <ac:chgData name="Christopher Turner" userId="108b2705a18cd39f" providerId="LiveId" clId="{D6C44517-C345-4DCA-92BC-26BBAFC02020}" dt="2024-07-25T19:30:06.531" v="606" actId="6549"/>
-          <ac:spMkLst>
-            <pc:docMk/>
-            <pc:sldMk cId="3382765918" sldId="259"/>
-            <ac:spMk id="3" creationId="{00000000-0000-0000-0000-000000000000}"/>
-          </ac:spMkLst>
-        </pc:spChg>
-        <pc:spChg chg="add mod">
-          <ac:chgData name="Christopher Turner" userId="108b2705a18cd39f" providerId="LiveId" clId="{D6C44517-C345-4DCA-92BC-26BBAFC02020}" dt="2024-07-25T19:22:48.925" v="254" actId="1076"/>
-          <ac:spMkLst>
-            <pc:docMk/>
-            <pc:sldMk cId="3382765918" sldId="259"/>
-            <ac:spMk id="4" creationId="{6F78C5BD-FA19-F3BC-73FA-75F36732B267}"/>
-          </ac:spMkLst>
-        </pc:spChg>
-        <pc:spChg chg="add del mod">
-          <ac:chgData name="Christopher Turner" userId="108b2705a18cd39f" providerId="LiveId" clId="{D6C44517-C345-4DCA-92BC-26BBAFC02020}" dt="2024-07-25T19:30:10.700" v="607" actId="478"/>
-          <ac:spMkLst>
-            <pc:docMk/>
-            <pc:sldMk cId="3382765918" sldId="259"/>
-            <ac:spMk id="5" creationId="{92132502-712E-B746-93BC-F12428DF7D80}"/>
-          </ac:spMkLst>
-        </pc:spChg>
-        <pc:spChg chg="add">
-          <ac:chgData name="Christopher Turner" userId="108b2705a18cd39f" providerId="LiveId" clId="{D6C44517-C345-4DCA-92BC-26BBAFC02020}" dt="2024-07-25T19:26:07.359" v="312"/>
-          <ac:spMkLst>
-            <pc:docMk/>
-            <pc:sldMk cId="3382765918" sldId="259"/>
-            <ac:spMk id="6" creationId="{543EE461-4F3A-3A48-4EAA-C72D9B50C6A4}"/>
-          </ac:spMkLst>
-        </pc:spChg>
-        <pc:spChg chg="add">
-          <ac:chgData name="Christopher Turner" userId="108b2705a18cd39f" providerId="LiveId" clId="{D6C44517-C345-4DCA-92BC-26BBAFC02020}" dt="2024-07-25T19:26:10.785" v="313"/>
-          <ac:spMkLst>
-            <pc:docMk/>
-            <pc:sldMk cId="3382765918" sldId="259"/>
-            <ac:spMk id="7" creationId="{CF045A5C-8747-DF83-0AEE-CB1F05440876}"/>
-          </ac:spMkLst>
-        </pc:spChg>
-      </pc:sldChg>
-      <pc:sldChg chg="del">
-        <pc:chgData name="Christopher Turner" userId="108b2705a18cd39f" providerId="LiveId" clId="{D6C44517-C345-4DCA-92BC-26BBAFC02020}" dt="2024-07-25T19:38:31.734" v="996" actId="2696"/>
-        <pc:sldMkLst>
-          <pc:docMk/>
-          <pc:sldMk cId="2361836093" sldId="260"/>
-        </pc:sldMkLst>
-      </pc:sldChg>
-      <pc:sldChg chg="addSp delSp modSp mod">
-        <pc:chgData name="Christopher Turner" userId="108b2705a18cd39f" providerId="LiveId" clId="{D6C44517-C345-4DCA-92BC-26BBAFC02020}" dt="2024-07-25T20:18:55.664" v="1918" actId="20577"/>
-        <pc:sldMkLst>
-          <pc:docMk/>
-          <pc:sldMk cId="3291260535" sldId="261"/>
-        </pc:sldMkLst>
-        <pc:spChg chg="add del mod">
-          <ac:chgData name="Christopher Turner" userId="108b2705a18cd39f" providerId="LiveId" clId="{D6C44517-C345-4DCA-92BC-26BBAFC02020}" dt="2024-07-25T20:18:55.664" v="1918" actId="20577"/>
-          <ac:spMkLst>
-            <pc:docMk/>
-            <pc:sldMk cId="3291260535" sldId="261"/>
-            <ac:spMk id="3" creationId="{00000000-0000-0000-0000-000000000000}"/>
-          </ac:spMkLst>
-        </pc:spChg>
-        <pc:graphicFrameChg chg="add mod">
-          <ac:chgData name="Christopher Turner" userId="108b2705a18cd39f" providerId="LiveId" clId="{D6C44517-C345-4DCA-92BC-26BBAFC02020}" dt="2024-07-25T19:31:15.383" v="624"/>
-          <ac:graphicFrameMkLst>
-            <pc:docMk/>
-            <pc:sldMk cId="3291260535" sldId="261"/>
-            <ac:graphicFrameMk id="4" creationId="{E767D679-C6CE-0B9B-9DE0-025A33068BC2}"/>
-          </ac:graphicFrameMkLst>
-        </pc:graphicFrameChg>
-      </pc:sldChg>
-      <pc:sldChg chg="modSp add mod">
-        <pc:chgData name="Christopher Turner" userId="108b2705a18cd39f" providerId="LiveId" clId="{D6C44517-C345-4DCA-92BC-26BBAFC02020}" dt="2024-07-25T20:24:49.168" v="1923"/>
-        <pc:sldMkLst>
-          <pc:docMk/>
-          <pc:sldMk cId="2661206592" sldId="262"/>
-        </pc:sldMkLst>
-        <pc:spChg chg="mod">
-          <ac:chgData name="Christopher Turner" userId="108b2705a18cd39f" providerId="LiveId" clId="{D6C44517-C345-4DCA-92BC-26BBAFC02020}" dt="2024-07-25T19:38:16.095" v="994" actId="20577"/>
-          <ac:spMkLst>
-            <pc:docMk/>
-            <pc:sldMk cId="2661206592" sldId="262"/>
-            <ac:spMk id="2" creationId="{00000000-0000-0000-0000-000000000000}"/>
-          </ac:spMkLst>
-        </pc:spChg>
-        <pc:spChg chg="mod">
-          <ac:chgData name="Christopher Turner" userId="108b2705a18cd39f" providerId="LiveId" clId="{D6C44517-C345-4DCA-92BC-26BBAFC02020}" dt="2024-07-25T20:24:49.168" v="1923"/>
-          <ac:spMkLst>
-            <pc:docMk/>
-            <pc:sldMk cId="2661206592" sldId="262"/>
-            <ac:spMk id="3" creationId="{00000000-0000-0000-0000-000000000000}"/>
-          </ac:spMkLst>
-        </pc:spChg>
-        <pc:spChg chg="mod">
-          <ac:chgData name="Christopher Turner" userId="108b2705a18cd39f" providerId="LiveId" clId="{D6C44517-C345-4DCA-92BC-26BBAFC02020}" dt="2024-07-25T19:37:15.524" v="908" actId="20577"/>
-          <ac:spMkLst>
-            <pc:docMk/>
-            <pc:sldMk cId="2661206592" sldId="262"/>
-            <ac:spMk id="4" creationId="{6F78C5BD-FA19-F3BC-73FA-75F36732B267}"/>
-          </ac:spMkLst>
-        </pc:spChg>
-      </pc:sldChg>
-      <pc:sldChg chg="modSp add mod">
-        <pc:chgData name="Christopher Turner" userId="108b2705a18cd39f" providerId="LiveId" clId="{D6C44517-C345-4DCA-92BC-26BBAFC02020}" dt="2024-07-25T20:24:51.962" v="1924"/>
-        <pc:sldMkLst>
-          <pc:docMk/>
-          <pc:sldMk cId="4218281971" sldId="263"/>
-        </pc:sldMkLst>
-        <pc:spChg chg="mod">
-          <ac:chgData name="Christopher Turner" userId="108b2705a18cd39f" providerId="LiveId" clId="{D6C44517-C345-4DCA-92BC-26BBAFC02020}" dt="2024-07-25T19:38:09.714" v="969" actId="20577"/>
-          <ac:spMkLst>
-            <pc:docMk/>
-            <pc:sldMk cId="4218281971" sldId="263"/>
-            <ac:spMk id="2" creationId="{00000000-0000-0000-0000-000000000000}"/>
-          </ac:spMkLst>
-        </pc:spChg>
-        <pc:spChg chg="mod">
-          <ac:chgData name="Christopher Turner" userId="108b2705a18cd39f" providerId="LiveId" clId="{D6C44517-C345-4DCA-92BC-26BBAFC02020}" dt="2024-07-25T20:24:51.962" v="1924"/>
-          <ac:spMkLst>
-            <pc:docMk/>
-            <pc:sldMk cId="4218281971" sldId="263"/>
-            <ac:spMk id="3" creationId="{00000000-0000-0000-0000-000000000000}"/>
-          </ac:spMkLst>
-        </pc:spChg>
-        <pc:spChg chg="mod">
-          <ac:chgData name="Christopher Turner" userId="108b2705a18cd39f" providerId="LiveId" clId="{D6C44517-C345-4DCA-92BC-26BBAFC02020}" dt="2024-07-25T19:37:43.383" v="916" actId="20577"/>
-          <ac:spMkLst>
-            <pc:docMk/>
-            <pc:sldMk cId="4218281971" sldId="263"/>
-            <ac:spMk id="4" creationId="{6F78C5BD-FA19-F3BC-73FA-75F36732B267}"/>
-          </ac:spMkLst>
-        </pc:spChg>
-      </pc:sldChg>
-      <pc:sldChg chg="modSp add mod ord">
-        <pc:chgData name="Christopher Turner" userId="108b2705a18cd39f" providerId="LiveId" clId="{D6C44517-C345-4DCA-92BC-26BBAFC02020}" dt="2024-07-25T20:24:40.356" v="1922" actId="20577"/>
-        <pc:sldMkLst>
-          <pc:docMk/>
-          <pc:sldMk cId="4191233258" sldId="264"/>
-        </pc:sldMkLst>
-        <pc:spChg chg="mod">
-          <ac:chgData name="Christopher Turner" userId="108b2705a18cd39f" providerId="LiveId" clId="{D6C44517-C345-4DCA-92BC-26BBAFC02020}" dt="2024-07-25T19:37:59.660" v="947" actId="6549"/>
-          <ac:spMkLst>
-            <pc:docMk/>
-            <pc:sldMk cId="4191233258" sldId="264"/>
-            <ac:spMk id="2" creationId="{00000000-0000-0000-0000-000000000000}"/>
-          </ac:spMkLst>
-        </pc:spChg>
-        <pc:spChg chg="mod">
-          <ac:chgData name="Christopher Turner" userId="108b2705a18cd39f" providerId="LiveId" clId="{D6C44517-C345-4DCA-92BC-26BBAFC02020}" dt="2024-07-25T20:24:40.356" v="1922" actId="20577"/>
-          <ac:spMkLst>
-            <pc:docMk/>
-            <pc:sldMk cId="4191233258" sldId="264"/>
-            <ac:spMk id="3" creationId="{00000000-0000-0000-0000-000000000000}"/>
-          </ac:spMkLst>
-        </pc:spChg>
-        <pc:spChg chg="mod">
-          <ac:chgData name="Christopher Turner" userId="108b2705a18cd39f" providerId="LiveId" clId="{D6C44517-C345-4DCA-92BC-26BBAFC02020}" dt="2024-07-25T19:37:48.826" v="921" actId="20577"/>
-          <ac:spMkLst>
-            <pc:docMk/>
-            <pc:sldMk cId="4191233258" sldId="264"/>
-            <ac:spMk id="4" creationId="{6F78C5BD-FA19-F3BC-73FA-75F36732B267}"/>
-          </ac:spMkLst>
-        </pc:spChg>
-      </pc:sldChg>
-      <pc:sldChg chg="addSp modSp add mod">
-        <pc:chgData name="Christopher Turner" userId="108b2705a18cd39f" providerId="LiveId" clId="{D6C44517-C345-4DCA-92BC-26BBAFC02020}" dt="2024-07-25T19:46:49.951" v="1488"/>
-        <pc:sldMkLst>
-          <pc:docMk/>
-          <pc:sldMk cId="77602882" sldId="265"/>
-        </pc:sldMkLst>
-        <pc:spChg chg="mod">
-          <ac:chgData name="Christopher Turner" userId="108b2705a18cd39f" providerId="LiveId" clId="{D6C44517-C345-4DCA-92BC-26BBAFC02020}" dt="2024-07-25T19:38:41.875" v="1033" actId="20577"/>
-          <ac:spMkLst>
-            <pc:docMk/>
-            <pc:sldMk cId="77602882" sldId="265"/>
-            <ac:spMk id="2" creationId="{00000000-0000-0000-0000-000000000000}"/>
-          </ac:spMkLst>
-        </pc:spChg>
-        <pc:spChg chg="mod">
-          <ac:chgData name="Christopher Turner" userId="108b2705a18cd39f" providerId="LiveId" clId="{D6C44517-C345-4DCA-92BC-26BBAFC02020}" dt="2024-07-25T19:39:12.300" v="1079" actId="20577"/>
-          <ac:spMkLst>
-            <pc:docMk/>
-            <pc:sldMk cId="77602882" sldId="265"/>
-            <ac:spMk id="3" creationId="{00000000-0000-0000-0000-000000000000}"/>
-          </ac:spMkLst>
-        </pc:spChg>
-        <pc:spChg chg="mod">
-          <ac:chgData name="Christopher Turner" userId="108b2705a18cd39f" providerId="LiveId" clId="{D6C44517-C345-4DCA-92BC-26BBAFC02020}" dt="2024-07-25T19:45:27.579" v="1487" actId="20577"/>
-          <ac:spMkLst>
-            <pc:docMk/>
-            <pc:sldMk cId="77602882" sldId="265"/>
-            <ac:spMk id="4" creationId="{6F78C5BD-FA19-F3BC-73FA-75F36732B267}"/>
-          </ac:spMkLst>
-        </pc:spChg>
-        <pc:spChg chg="add">
-          <ac:chgData name="Christopher Turner" userId="108b2705a18cd39f" providerId="LiveId" clId="{D6C44517-C345-4DCA-92BC-26BBAFC02020}" dt="2024-07-25T19:46:49.951" v="1488"/>
-          <ac:spMkLst>
-            <pc:docMk/>
-            <pc:sldMk cId="77602882" sldId="265"/>
-            <ac:spMk id="5" creationId="{BA5DC2C7-4EC1-91D1-04DB-0268B58EF734}"/>
-          </ac:spMkLst>
-        </pc:spChg>
-      </pc:sldChg>
-      <pc:sldChg chg="add del">
-        <pc:chgData name="Christopher Turner" userId="108b2705a18cd39f" providerId="LiveId" clId="{D6C44517-C345-4DCA-92BC-26BBAFC02020}" dt="2024-07-25T19:39:23.194" v="1081" actId="2890"/>
-        <pc:sldMkLst>
-          <pc:docMk/>
-          <pc:sldMk cId="242601211" sldId="266"/>
-        </pc:sldMkLst>
-      </pc:sldChg>
-      <pc:sldChg chg="modSp new mod ord">
-        <pc:chgData name="Christopher Turner" userId="108b2705a18cd39f" providerId="LiveId" clId="{D6C44517-C345-4DCA-92BC-26BBAFC02020}" dt="2024-07-25T19:43:02.996" v="1373"/>
-        <pc:sldMkLst>
-          <pc:docMk/>
-          <pc:sldMk cId="2357912295" sldId="266"/>
-        </pc:sldMkLst>
-        <pc:spChg chg="mod">
-          <ac:chgData name="Christopher Turner" userId="108b2705a18cd39f" providerId="LiveId" clId="{D6C44517-C345-4DCA-92BC-26BBAFC02020}" dt="2024-07-25T19:40:53.758" v="1270" actId="20577"/>
-          <ac:spMkLst>
-            <pc:docMk/>
-            <pc:sldMk cId="2357912295" sldId="266"/>
-            <ac:spMk id="2" creationId="{3D7B3BD4-ECBA-DED0-C9B9-A577AF386EB5}"/>
-          </ac:spMkLst>
-        </pc:spChg>
-        <pc:spChg chg="mod">
-          <ac:chgData name="Christopher Turner" userId="108b2705a18cd39f" providerId="LiveId" clId="{D6C44517-C345-4DCA-92BC-26BBAFC02020}" dt="2024-07-25T19:40:47.435" v="1262" actId="20577"/>
-          <ac:spMkLst>
-            <pc:docMk/>
-            <pc:sldMk cId="2357912295" sldId="266"/>
-            <ac:spMk id="3" creationId="{F95E2A37-E369-BD1A-E50B-B049F9C4C2CC}"/>
-          </ac:spMkLst>
-        </pc:spChg>
-      </pc:sldChg>
-      <pc:sldChg chg="modSp add mod ord">
-        <pc:chgData name="Christopher Turner" userId="108b2705a18cd39f" providerId="LiveId" clId="{D6C44517-C345-4DCA-92BC-26BBAFC02020}" dt="2024-07-25T19:43:12.129" v="1375"/>
-        <pc:sldMkLst>
-          <pc:docMk/>
-          <pc:sldMk cId="695019442" sldId="267"/>
-        </pc:sldMkLst>
-        <pc:spChg chg="mod">
-          <ac:chgData name="Christopher Turner" userId="108b2705a18cd39f" providerId="LiveId" clId="{D6C44517-C345-4DCA-92BC-26BBAFC02020}" dt="2024-07-25T19:40:58.685" v="1272" actId="20577"/>
-          <ac:spMkLst>
-            <pc:docMk/>
-            <pc:sldMk cId="695019442" sldId="267"/>
-            <ac:spMk id="2" creationId="{3D7B3BD4-ECBA-DED0-C9B9-A577AF386EB5}"/>
-          </ac:spMkLst>
-        </pc:spChg>
-      </pc:sldChg>
-      <pc:sldChg chg="modSp add mod ord">
-        <pc:chgData name="Christopher Turner" userId="108b2705a18cd39f" providerId="LiveId" clId="{D6C44517-C345-4DCA-92BC-26BBAFC02020}" dt="2024-07-25T19:43:44.415" v="1391" actId="20577"/>
-        <pc:sldMkLst>
-          <pc:docMk/>
-          <pc:sldMk cId="3298747479" sldId="268"/>
-        </pc:sldMkLst>
-        <pc:spChg chg="mod">
-          <ac:chgData name="Christopher Turner" userId="108b2705a18cd39f" providerId="LiveId" clId="{D6C44517-C345-4DCA-92BC-26BBAFC02020}" dt="2024-07-25T19:43:44.415" v="1391" actId="20577"/>
-          <ac:spMkLst>
-            <pc:docMk/>
-            <pc:sldMk cId="3298747479" sldId="268"/>
-            <ac:spMk id="2" creationId="{3D7B3BD4-ECBA-DED0-C9B9-A577AF386EB5}"/>
-          </ac:spMkLst>
-        </pc:spChg>
-      </pc:sldChg>
-      <pc:sldChg chg="modSp add mod">
-        <pc:chgData name="Christopher Turner" userId="108b2705a18cd39f" providerId="LiveId" clId="{D6C44517-C345-4DCA-92BC-26BBAFC02020}" dt="2024-07-25T19:41:23.615" v="1296" actId="20577"/>
-        <pc:sldMkLst>
-          <pc:docMk/>
-          <pc:sldMk cId="232526807" sldId="269"/>
-        </pc:sldMkLst>
-        <pc:spChg chg="mod">
-          <ac:chgData name="Christopher Turner" userId="108b2705a18cd39f" providerId="LiveId" clId="{D6C44517-C345-4DCA-92BC-26BBAFC02020}" dt="2024-07-25T19:41:23.615" v="1296" actId="20577"/>
-          <ac:spMkLst>
-            <pc:docMk/>
-            <pc:sldMk cId="232526807" sldId="269"/>
-            <ac:spMk id="2" creationId="{3D7B3BD4-ECBA-DED0-C9B9-A577AF386EB5}"/>
-          </ac:spMkLst>
-        </pc:spChg>
-      </pc:sldChg>
-      <pc:sldChg chg="add">
-        <pc:chgData name="Christopher Turner" userId="108b2705a18cd39f" providerId="LiveId" clId="{D6C44517-C345-4DCA-92BC-26BBAFC02020}" dt="2024-07-25T19:43:31.155" v="1376" actId="2890"/>
-        <pc:sldMkLst>
-          <pc:docMk/>
-          <pc:sldMk cId="2249364170" sldId="270"/>
-        </pc:sldMkLst>
-      </pc:sldChg>
-      <pc:sldChg chg="modSp add mod">
-        <pc:chgData name="Christopher Turner" userId="108b2705a18cd39f" providerId="LiveId" clId="{D6C44517-C345-4DCA-92BC-26BBAFC02020}" dt="2024-07-25T19:44:00.134" v="1394" actId="20577"/>
-        <pc:sldMkLst>
-          <pc:docMk/>
-          <pc:sldMk cId="1221097782" sldId="271"/>
-        </pc:sldMkLst>
-        <pc:spChg chg="mod">
-          <ac:chgData name="Christopher Turner" userId="108b2705a18cd39f" providerId="LiveId" clId="{D6C44517-C345-4DCA-92BC-26BBAFC02020}" dt="2024-07-25T19:44:00.134" v="1394" actId="20577"/>
-          <ac:spMkLst>
-            <pc:docMk/>
-            <pc:sldMk cId="1221097782" sldId="271"/>
-            <ac:spMk id="2" creationId="{3D7B3BD4-ECBA-DED0-C9B9-A577AF386EB5}"/>
-          </ac:spMkLst>
-        </pc:spChg>
-      </pc:sldChg>
-      <pc:sldChg chg="modSp add mod">
-        <pc:chgData name="Christopher Turner" userId="108b2705a18cd39f" providerId="LiveId" clId="{D6C44517-C345-4DCA-92BC-26BBAFC02020}" dt="2024-07-25T20:25:37.664" v="2012" actId="20577"/>
-        <pc:sldMkLst>
-          <pc:docMk/>
-          <pc:sldMk cId="3624028729" sldId="272"/>
-        </pc:sldMkLst>
-        <pc:spChg chg="mod">
-          <ac:chgData name="Christopher Turner" userId="108b2705a18cd39f" providerId="LiveId" clId="{D6C44517-C345-4DCA-92BC-26BBAFC02020}" dt="2024-07-25T19:49:07.729" v="1717" actId="20577"/>
-          <ac:spMkLst>
-            <pc:docMk/>
-            <pc:sldMk cId="3624028729" sldId="272"/>
-            <ac:spMk id="2" creationId="{00000000-0000-0000-0000-000000000000}"/>
-          </ac:spMkLst>
-        </pc:spChg>
-        <pc:spChg chg="mod">
-          <ac:chgData name="Christopher Turner" userId="108b2705a18cd39f" providerId="LiveId" clId="{D6C44517-C345-4DCA-92BC-26BBAFC02020}" dt="2024-07-25T20:25:37.664" v="2012" actId="20577"/>
-          <ac:spMkLst>
-            <pc:docMk/>
-            <pc:sldMk cId="3624028729" sldId="272"/>
-            <ac:spMk id="3" creationId="{00000000-0000-0000-0000-000000000000}"/>
-          </ac:spMkLst>
-        </pc:spChg>
-      </pc:sldChg>
-    </pc:docChg>
-  </pc:docChgLst>
-  <pc:docChgLst>
-    <pc:chgData name="Christopher Turner" userId="108b2705a18cd39f" providerId="LiveId" clId="{4FE8CBD7-78BF-4B93-AD3E-27E34B92CF03}"/>
-    <pc:docChg chg="undo custSel modSld">
-      <pc:chgData name="Christopher Turner" userId="108b2705a18cd39f" providerId="LiveId" clId="{4FE8CBD7-78BF-4B93-AD3E-27E34B92CF03}" dt="2024-07-29T22:08:59.279" v="111" actId="1076"/>
-      <pc:docMkLst>
-        <pc:docMk/>
-      </pc:docMkLst>
-      <pc:sldChg chg="addSp delSp modSp mod">
-        <pc:chgData name="Christopher Turner" userId="108b2705a18cd39f" providerId="LiveId" clId="{4FE8CBD7-78BF-4B93-AD3E-27E34B92CF03}" dt="2024-07-29T22:08:39.236" v="75" actId="1037"/>
-        <pc:sldMkLst>
-          <pc:docMk/>
-          <pc:sldMk cId="81684999" sldId="276"/>
-        </pc:sldMkLst>
-        <pc:spChg chg="mod">
-          <ac:chgData name="Christopher Turner" userId="108b2705a18cd39f" providerId="LiveId" clId="{4FE8CBD7-78BF-4B93-AD3E-27E34B92CF03}" dt="2024-07-29T21:59:41.860" v="31" actId="1076"/>
-          <ac:spMkLst>
-            <pc:docMk/>
-            <pc:sldMk cId="81684999" sldId="276"/>
-            <ac:spMk id="3" creationId="{F95E2A37-E369-BD1A-E50B-B049F9C4C2CC}"/>
-          </ac:spMkLst>
-        </pc:spChg>
-        <pc:spChg chg="mod">
-          <ac:chgData name="Christopher Turner" userId="108b2705a18cd39f" providerId="LiveId" clId="{4FE8CBD7-78BF-4B93-AD3E-27E34B92CF03}" dt="2024-07-29T22:08:39.236" v="75" actId="1037"/>
-          <ac:spMkLst>
-            <pc:docMk/>
-            <pc:sldMk cId="81684999" sldId="276"/>
-            <ac:spMk id="6" creationId="{4104B51A-6C83-3663-1160-E079108B01E5}"/>
-          </ac:spMkLst>
-        </pc:spChg>
-        <pc:spChg chg="mod">
-          <ac:chgData name="Christopher Turner" userId="108b2705a18cd39f" providerId="LiveId" clId="{4FE8CBD7-78BF-4B93-AD3E-27E34B92CF03}" dt="2024-07-29T21:56:23.950" v="0" actId="20577"/>
-          <ac:spMkLst>
-            <pc:docMk/>
-            <pc:sldMk cId="81684999" sldId="276"/>
-            <ac:spMk id="10" creationId="{DBEC776E-E2BB-CC44-1EA1-744B77246396}"/>
-          </ac:spMkLst>
-        </pc:spChg>
-        <pc:spChg chg="mod">
-          <ac:chgData name="Christopher Turner" userId="108b2705a18cd39f" providerId="LiveId" clId="{4FE8CBD7-78BF-4B93-AD3E-27E34B92CF03}" dt="2024-07-29T22:00:01.797" v="39" actId="14100"/>
-          <ac:spMkLst>
-            <pc:docMk/>
-            <pc:sldMk cId="81684999" sldId="276"/>
-            <ac:spMk id="18" creationId="{34C3CB71-02F5-6B27-265E-AF122730097B}"/>
-          </ac:spMkLst>
-        </pc:spChg>
-        <pc:grpChg chg="add del">
-          <ac:chgData name="Christopher Turner" userId="108b2705a18cd39f" providerId="LiveId" clId="{4FE8CBD7-78BF-4B93-AD3E-27E34B92CF03}" dt="2024-07-29T21:59:29.671" v="26" actId="478"/>
-          <ac:grpSpMkLst>
-            <pc:docMk/>
-            <pc:sldMk cId="81684999" sldId="276"/>
-            <ac:grpSpMk id="8" creationId="{DDEBE423-5BB0-1151-5816-6C62721B10A5}"/>
-          </ac:grpSpMkLst>
-        </pc:grpChg>
-        <pc:picChg chg="add del mod">
-          <ac:chgData name="Christopher Turner" userId="108b2705a18cd39f" providerId="LiveId" clId="{4FE8CBD7-78BF-4B93-AD3E-27E34B92CF03}" dt="2024-07-29T21:58:33.813" v="20" actId="478"/>
-          <ac:picMkLst>
-            <pc:docMk/>
-            <pc:sldMk cId="81684999" sldId="276"/>
-            <ac:picMk id="4" creationId="{545162EB-87CC-5B77-91DC-5C2AE176BF52}"/>
-          </ac:picMkLst>
-        </pc:picChg>
-        <pc:picChg chg="add mod">
-          <ac:chgData name="Christopher Turner" userId="108b2705a18cd39f" providerId="LiveId" clId="{4FE8CBD7-78BF-4B93-AD3E-27E34B92CF03}" dt="2024-07-29T22:00:05.212" v="44" actId="1035"/>
-          <ac:picMkLst>
-            <pc:docMk/>
-            <pc:sldMk cId="81684999" sldId="276"/>
-            <ac:picMk id="7" creationId="{8AD21E31-BAAC-48BF-5E38-922BAE70807D}"/>
-          </ac:picMkLst>
-        </pc:picChg>
-      </pc:sldChg>
-      <pc:sldChg chg="modSp mod">
-        <pc:chgData name="Christopher Turner" userId="108b2705a18cd39f" providerId="LiveId" clId="{4FE8CBD7-78BF-4B93-AD3E-27E34B92CF03}" dt="2024-07-29T22:08:59.279" v="111" actId="1076"/>
-        <pc:sldMkLst>
-          <pc:docMk/>
-          <pc:sldMk cId="3213317525" sldId="277"/>
-        </pc:sldMkLst>
-        <pc:spChg chg="mod">
-          <ac:chgData name="Christopher Turner" userId="108b2705a18cd39f" providerId="LiveId" clId="{4FE8CBD7-78BF-4B93-AD3E-27E34B92CF03}" dt="2024-07-29T22:08:59.279" v="111" actId="1076"/>
-          <ac:spMkLst>
-            <pc:docMk/>
-            <pc:sldMk cId="3213317525" sldId="277"/>
-            <ac:spMk id="6" creationId="{4104B51A-6C83-3663-1160-E079108B01E5}"/>
-          </ac:spMkLst>
-        </pc:spChg>
-      </pc:sldChg>
-    </pc:docChg>
-  </pc:docChgLst>
-  <pc:docChgLst>
     <pc:chgData name="Christopher Turner" userId="108b2705a18cd39f" providerId="LiveId" clId="{BB522EC8-7459-41E9-8DB6-C34E2288C19E}"/>
     <pc:docChg chg="undo custSel addSld delSld modSld sldOrd">
       <pc:chgData name="Christopher Turner" userId="108b2705a18cd39f" providerId="LiveId" clId="{BB522EC8-7459-41E9-8DB6-C34E2288C19E}" dt="2024-07-29T18:07:22.243" v="3139" actId="20577"/>
@@ -1644,6 +1134,563 @@
             <ac:picMk id="16" creationId="{FCF9F9C8-B2EF-96BB-993B-2A44117B787C}"/>
           </ac:picMkLst>
         </pc:picChg>
+      </pc:sldChg>
+    </pc:docChg>
+  </pc:docChgLst>
+  <pc:docChgLst>
+    <pc:chgData name="Christopher Turner" userId="108b2705a18cd39f" providerId="LiveId" clId="{8F68308C-8523-438D-B8E9-DC8F8B4FF037}"/>
+    <pc:docChg chg="custSel modSld">
+      <pc:chgData name="Christopher Turner" userId="108b2705a18cd39f" providerId="LiveId" clId="{8F68308C-8523-438D-B8E9-DC8F8B4FF037}" dt="2024-07-29T23:40:22.868" v="316" actId="20577"/>
+      <pc:docMkLst>
+        <pc:docMk/>
+      </pc:docMkLst>
+      <pc:sldChg chg="modSp mod">
+        <pc:chgData name="Christopher Turner" userId="108b2705a18cd39f" providerId="LiveId" clId="{8F68308C-8523-438D-B8E9-DC8F8B4FF037}" dt="2024-07-29T23:38:21.229" v="278" actId="20577"/>
+        <pc:sldMkLst>
+          <pc:docMk/>
+          <pc:sldMk cId="3748667521" sldId="256"/>
+        </pc:sldMkLst>
+        <pc:spChg chg="mod">
+          <ac:chgData name="Christopher Turner" userId="108b2705a18cd39f" providerId="LiveId" clId="{8F68308C-8523-438D-B8E9-DC8F8B4FF037}" dt="2024-07-29T23:38:21.229" v="278" actId="20577"/>
+          <ac:spMkLst>
+            <pc:docMk/>
+            <pc:sldMk cId="3748667521" sldId="256"/>
+            <ac:spMk id="21" creationId="{00000000-0000-0000-0000-000000000000}"/>
+          </ac:spMkLst>
+        </pc:spChg>
+      </pc:sldChg>
+      <pc:sldChg chg="modSp mod">
+        <pc:chgData name="Christopher Turner" userId="108b2705a18cd39f" providerId="LiveId" clId="{8F68308C-8523-438D-B8E9-DC8F8B4FF037}" dt="2024-07-29T23:40:22.868" v="316" actId="20577"/>
+        <pc:sldMkLst>
+          <pc:docMk/>
+          <pc:sldMk cId="3382765918" sldId="259"/>
+        </pc:sldMkLst>
+        <pc:spChg chg="mod">
+          <ac:chgData name="Christopher Turner" userId="108b2705a18cd39f" providerId="LiveId" clId="{8F68308C-8523-438D-B8E9-DC8F8B4FF037}" dt="2024-07-29T23:30:23.919" v="95" actId="255"/>
+          <ac:spMkLst>
+            <pc:docMk/>
+            <pc:sldMk cId="3382765918" sldId="259"/>
+            <ac:spMk id="2" creationId="{00000000-0000-0000-0000-000000000000}"/>
+          </ac:spMkLst>
+        </pc:spChg>
+        <pc:spChg chg="mod">
+          <ac:chgData name="Christopher Turner" userId="108b2705a18cd39f" providerId="LiveId" clId="{8F68308C-8523-438D-B8E9-DC8F8B4FF037}" dt="2024-07-29T23:40:22.868" v="316" actId="20577"/>
+          <ac:spMkLst>
+            <pc:docMk/>
+            <pc:sldMk cId="3382765918" sldId="259"/>
+            <ac:spMk id="3" creationId="{00000000-0000-0000-0000-000000000000}"/>
+          </ac:spMkLst>
+        </pc:spChg>
+      </pc:sldChg>
+    </pc:docChg>
+  </pc:docChgLst>
+  <pc:docChgLst>
+    <pc:chgData name="Christopher Turner" userId="108b2705a18cd39f" providerId="LiveId" clId="{D6C44517-C345-4DCA-92BC-26BBAFC02020}"/>
+    <pc:docChg chg="undo custSel addSld delSld modSld sldOrd">
+      <pc:chgData name="Christopher Turner" userId="108b2705a18cd39f" providerId="LiveId" clId="{D6C44517-C345-4DCA-92BC-26BBAFC02020}" dt="2024-07-25T20:26:51.028" v="2019" actId="478"/>
+      <pc:docMkLst>
+        <pc:docMk/>
+      </pc:docMkLst>
+      <pc:sldChg chg="delSp modSp mod ord modShow">
+        <pc:chgData name="Christopher Turner" userId="108b2705a18cd39f" providerId="LiveId" clId="{D6C44517-C345-4DCA-92BC-26BBAFC02020}" dt="2024-07-25T20:26:51.028" v="2019" actId="478"/>
+        <pc:sldMkLst>
+          <pc:docMk/>
+          <pc:sldMk cId="3748667521" sldId="256"/>
+        </pc:sldMkLst>
+        <pc:spChg chg="mod">
+          <ac:chgData name="Christopher Turner" userId="108b2705a18cd39f" providerId="LiveId" clId="{D6C44517-C345-4DCA-92BC-26BBAFC02020}" dt="2024-07-25T20:26:44.142" v="2016" actId="6549"/>
+          <ac:spMkLst>
+            <pc:docMk/>
+            <pc:sldMk cId="3748667521" sldId="256"/>
+            <ac:spMk id="6" creationId="{33CDDC14-D7C0-4FC6-8360-4E6E50174088}"/>
+          </ac:spMkLst>
+        </pc:spChg>
+        <pc:spChg chg="mod">
+          <ac:chgData name="Christopher Turner" userId="108b2705a18cd39f" providerId="LiveId" clId="{D6C44517-C345-4DCA-92BC-26BBAFC02020}" dt="2024-07-25T19:34:50.859" v="770" actId="20577"/>
+          <ac:spMkLst>
+            <pc:docMk/>
+            <pc:sldMk cId="3748667521" sldId="256"/>
+            <ac:spMk id="21" creationId="{00000000-0000-0000-0000-000000000000}"/>
+          </ac:spMkLst>
+        </pc:spChg>
+        <pc:spChg chg="mod">
+          <ac:chgData name="Christopher Turner" userId="108b2705a18cd39f" providerId="LiveId" clId="{D6C44517-C345-4DCA-92BC-26BBAFC02020}" dt="2024-07-25T19:36:51.998" v="902" actId="20577"/>
+          <ac:spMkLst>
+            <pc:docMk/>
+            <pc:sldMk cId="3748667521" sldId="256"/>
+            <ac:spMk id="22" creationId="{00000000-0000-0000-0000-000000000000}"/>
+          </ac:spMkLst>
+        </pc:spChg>
+        <pc:spChg chg="del mod">
+          <ac:chgData name="Christopher Turner" userId="108b2705a18cd39f" providerId="LiveId" clId="{D6C44517-C345-4DCA-92BC-26BBAFC02020}" dt="2024-07-25T20:26:51.028" v="2019" actId="478"/>
+          <ac:spMkLst>
+            <pc:docMk/>
+            <pc:sldMk cId="3748667521" sldId="256"/>
+            <ac:spMk id="23" creationId="{00000000-0000-0000-0000-000000000000}"/>
+          </ac:spMkLst>
+        </pc:spChg>
+        <pc:grpChg chg="del">
+          <ac:chgData name="Christopher Turner" userId="108b2705a18cd39f" providerId="LiveId" clId="{D6C44517-C345-4DCA-92BC-26BBAFC02020}" dt="2024-07-25T20:26:46.831" v="2017" actId="478"/>
+          <ac:grpSpMkLst>
+            <pc:docMk/>
+            <pc:sldMk cId="3748667521" sldId="256"/>
+            <ac:grpSpMk id="4" creationId="{E07FEDDE-7BE3-4AF0-89AC-8212D722B9B0}"/>
+          </ac:grpSpMkLst>
+        </pc:grpChg>
+      </pc:sldChg>
+      <pc:sldChg chg="del">
+        <pc:chgData name="Christopher Turner" userId="108b2705a18cd39f" providerId="LiveId" clId="{D6C44517-C345-4DCA-92BC-26BBAFC02020}" dt="2024-07-25T19:20:31.092" v="127" actId="2696"/>
+        <pc:sldMkLst>
+          <pc:docMk/>
+          <pc:sldMk cId="1683866232" sldId="257"/>
+        </pc:sldMkLst>
+      </pc:sldChg>
+      <pc:sldChg chg="modSp mod">
+        <pc:chgData name="Christopher Turner" userId="108b2705a18cd39f" providerId="LiveId" clId="{D6C44517-C345-4DCA-92BC-26BBAFC02020}" dt="2024-07-25T19:32:29.466" v="666" actId="20577"/>
+        <pc:sldMkLst>
+          <pc:docMk/>
+          <pc:sldMk cId="2385032039" sldId="258"/>
+        </pc:sldMkLst>
+        <pc:spChg chg="mod">
+          <ac:chgData name="Christopher Turner" userId="108b2705a18cd39f" providerId="LiveId" clId="{D6C44517-C345-4DCA-92BC-26BBAFC02020}" dt="2024-07-25T19:32:00.052" v="658" actId="20577"/>
+          <ac:spMkLst>
+            <pc:docMk/>
+            <pc:sldMk cId="2385032039" sldId="258"/>
+            <ac:spMk id="2" creationId="{00000000-0000-0000-0000-000000000000}"/>
+          </ac:spMkLst>
+        </pc:spChg>
+        <pc:spChg chg="mod">
+          <ac:chgData name="Christopher Turner" userId="108b2705a18cd39f" providerId="LiveId" clId="{D6C44517-C345-4DCA-92BC-26BBAFC02020}" dt="2024-07-25T19:32:29.466" v="666" actId="20577"/>
+          <ac:spMkLst>
+            <pc:docMk/>
+            <pc:sldMk cId="2385032039" sldId="258"/>
+            <ac:spMk id="3" creationId="{00000000-0000-0000-0000-000000000000}"/>
+          </ac:spMkLst>
+        </pc:spChg>
+      </pc:sldChg>
+      <pc:sldChg chg="addSp delSp modSp mod">
+        <pc:chgData name="Christopher Turner" userId="108b2705a18cd39f" providerId="LiveId" clId="{D6C44517-C345-4DCA-92BC-26BBAFC02020}" dt="2024-07-25T19:30:10.700" v="607" actId="478"/>
+        <pc:sldMkLst>
+          <pc:docMk/>
+          <pc:sldMk cId="3382765918" sldId="259"/>
+        </pc:sldMkLst>
+        <pc:spChg chg="mod">
+          <ac:chgData name="Christopher Turner" userId="108b2705a18cd39f" providerId="LiveId" clId="{D6C44517-C345-4DCA-92BC-26BBAFC02020}" dt="2024-07-25T19:22:54.742" v="255" actId="1076"/>
+          <ac:spMkLst>
+            <pc:docMk/>
+            <pc:sldMk cId="3382765918" sldId="259"/>
+            <ac:spMk id="2" creationId="{00000000-0000-0000-0000-000000000000}"/>
+          </ac:spMkLst>
+        </pc:spChg>
+        <pc:spChg chg="mod">
+          <ac:chgData name="Christopher Turner" userId="108b2705a18cd39f" providerId="LiveId" clId="{D6C44517-C345-4DCA-92BC-26BBAFC02020}" dt="2024-07-25T19:30:06.531" v="606" actId="6549"/>
+          <ac:spMkLst>
+            <pc:docMk/>
+            <pc:sldMk cId="3382765918" sldId="259"/>
+            <ac:spMk id="3" creationId="{00000000-0000-0000-0000-000000000000}"/>
+          </ac:spMkLst>
+        </pc:spChg>
+        <pc:spChg chg="add mod">
+          <ac:chgData name="Christopher Turner" userId="108b2705a18cd39f" providerId="LiveId" clId="{D6C44517-C345-4DCA-92BC-26BBAFC02020}" dt="2024-07-25T19:22:48.925" v="254" actId="1076"/>
+          <ac:spMkLst>
+            <pc:docMk/>
+            <pc:sldMk cId="3382765918" sldId="259"/>
+            <ac:spMk id="4" creationId="{6F78C5BD-FA19-F3BC-73FA-75F36732B267}"/>
+          </ac:spMkLst>
+        </pc:spChg>
+        <pc:spChg chg="add del mod">
+          <ac:chgData name="Christopher Turner" userId="108b2705a18cd39f" providerId="LiveId" clId="{D6C44517-C345-4DCA-92BC-26BBAFC02020}" dt="2024-07-25T19:30:10.700" v="607" actId="478"/>
+          <ac:spMkLst>
+            <pc:docMk/>
+            <pc:sldMk cId="3382765918" sldId="259"/>
+            <ac:spMk id="5" creationId="{92132502-712E-B746-93BC-F12428DF7D80}"/>
+          </ac:spMkLst>
+        </pc:spChg>
+        <pc:spChg chg="add">
+          <ac:chgData name="Christopher Turner" userId="108b2705a18cd39f" providerId="LiveId" clId="{D6C44517-C345-4DCA-92BC-26BBAFC02020}" dt="2024-07-25T19:26:07.359" v="312"/>
+          <ac:spMkLst>
+            <pc:docMk/>
+            <pc:sldMk cId="3382765918" sldId="259"/>
+            <ac:spMk id="6" creationId="{543EE461-4F3A-3A48-4EAA-C72D9B50C6A4}"/>
+          </ac:spMkLst>
+        </pc:spChg>
+        <pc:spChg chg="add">
+          <ac:chgData name="Christopher Turner" userId="108b2705a18cd39f" providerId="LiveId" clId="{D6C44517-C345-4DCA-92BC-26BBAFC02020}" dt="2024-07-25T19:26:10.785" v="313"/>
+          <ac:spMkLst>
+            <pc:docMk/>
+            <pc:sldMk cId="3382765918" sldId="259"/>
+            <ac:spMk id="7" creationId="{CF045A5C-8747-DF83-0AEE-CB1F05440876}"/>
+          </ac:spMkLst>
+        </pc:spChg>
+      </pc:sldChg>
+      <pc:sldChg chg="del">
+        <pc:chgData name="Christopher Turner" userId="108b2705a18cd39f" providerId="LiveId" clId="{D6C44517-C345-4DCA-92BC-26BBAFC02020}" dt="2024-07-25T19:38:31.734" v="996" actId="2696"/>
+        <pc:sldMkLst>
+          <pc:docMk/>
+          <pc:sldMk cId="2361836093" sldId="260"/>
+        </pc:sldMkLst>
+      </pc:sldChg>
+      <pc:sldChg chg="addSp delSp modSp mod">
+        <pc:chgData name="Christopher Turner" userId="108b2705a18cd39f" providerId="LiveId" clId="{D6C44517-C345-4DCA-92BC-26BBAFC02020}" dt="2024-07-25T20:18:55.664" v="1918" actId="20577"/>
+        <pc:sldMkLst>
+          <pc:docMk/>
+          <pc:sldMk cId="3291260535" sldId="261"/>
+        </pc:sldMkLst>
+        <pc:spChg chg="add del mod">
+          <ac:chgData name="Christopher Turner" userId="108b2705a18cd39f" providerId="LiveId" clId="{D6C44517-C345-4DCA-92BC-26BBAFC02020}" dt="2024-07-25T20:18:55.664" v="1918" actId="20577"/>
+          <ac:spMkLst>
+            <pc:docMk/>
+            <pc:sldMk cId="3291260535" sldId="261"/>
+            <ac:spMk id="3" creationId="{00000000-0000-0000-0000-000000000000}"/>
+          </ac:spMkLst>
+        </pc:spChg>
+        <pc:graphicFrameChg chg="add mod">
+          <ac:chgData name="Christopher Turner" userId="108b2705a18cd39f" providerId="LiveId" clId="{D6C44517-C345-4DCA-92BC-26BBAFC02020}" dt="2024-07-25T19:31:15.383" v="624"/>
+          <ac:graphicFrameMkLst>
+            <pc:docMk/>
+            <pc:sldMk cId="3291260535" sldId="261"/>
+            <ac:graphicFrameMk id="4" creationId="{E767D679-C6CE-0B9B-9DE0-025A33068BC2}"/>
+          </ac:graphicFrameMkLst>
+        </pc:graphicFrameChg>
+      </pc:sldChg>
+      <pc:sldChg chg="modSp add mod">
+        <pc:chgData name="Christopher Turner" userId="108b2705a18cd39f" providerId="LiveId" clId="{D6C44517-C345-4DCA-92BC-26BBAFC02020}" dt="2024-07-25T20:24:49.168" v="1923"/>
+        <pc:sldMkLst>
+          <pc:docMk/>
+          <pc:sldMk cId="2661206592" sldId="262"/>
+        </pc:sldMkLst>
+        <pc:spChg chg="mod">
+          <ac:chgData name="Christopher Turner" userId="108b2705a18cd39f" providerId="LiveId" clId="{D6C44517-C345-4DCA-92BC-26BBAFC02020}" dt="2024-07-25T19:38:16.095" v="994" actId="20577"/>
+          <ac:spMkLst>
+            <pc:docMk/>
+            <pc:sldMk cId="2661206592" sldId="262"/>
+            <ac:spMk id="2" creationId="{00000000-0000-0000-0000-000000000000}"/>
+          </ac:spMkLst>
+        </pc:spChg>
+        <pc:spChg chg="mod">
+          <ac:chgData name="Christopher Turner" userId="108b2705a18cd39f" providerId="LiveId" clId="{D6C44517-C345-4DCA-92BC-26BBAFC02020}" dt="2024-07-25T20:24:49.168" v="1923"/>
+          <ac:spMkLst>
+            <pc:docMk/>
+            <pc:sldMk cId="2661206592" sldId="262"/>
+            <ac:spMk id="3" creationId="{00000000-0000-0000-0000-000000000000}"/>
+          </ac:spMkLst>
+        </pc:spChg>
+        <pc:spChg chg="mod">
+          <ac:chgData name="Christopher Turner" userId="108b2705a18cd39f" providerId="LiveId" clId="{D6C44517-C345-4DCA-92BC-26BBAFC02020}" dt="2024-07-25T19:37:15.524" v="908" actId="20577"/>
+          <ac:spMkLst>
+            <pc:docMk/>
+            <pc:sldMk cId="2661206592" sldId="262"/>
+            <ac:spMk id="4" creationId="{6F78C5BD-FA19-F3BC-73FA-75F36732B267}"/>
+          </ac:spMkLst>
+        </pc:spChg>
+      </pc:sldChg>
+      <pc:sldChg chg="modSp add mod">
+        <pc:chgData name="Christopher Turner" userId="108b2705a18cd39f" providerId="LiveId" clId="{D6C44517-C345-4DCA-92BC-26BBAFC02020}" dt="2024-07-25T20:24:51.962" v="1924"/>
+        <pc:sldMkLst>
+          <pc:docMk/>
+          <pc:sldMk cId="4218281971" sldId="263"/>
+        </pc:sldMkLst>
+        <pc:spChg chg="mod">
+          <ac:chgData name="Christopher Turner" userId="108b2705a18cd39f" providerId="LiveId" clId="{D6C44517-C345-4DCA-92BC-26BBAFC02020}" dt="2024-07-25T19:38:09.714" v="969" actId="20577"/>
+          <ac:spMkLst>
+            <pc:docMk/>
+            <pc:sldMk cId="4218281971" sldId="263"/>
+            <ac:spMk id="2" creationId="{00000000-0000-0000-0000-000000000000}"/>
+          </ac:spMkLst>
+        </pc:spChg>
+        <pc:spChg chg="mod">
+          <ac:chgData name="Christopher Turner" userId="108b2705a18cd39f" providerId="LiveId" clId="{D6C44517-C345-4DCA-92BC-26BBAFC02020}" dt="2024-07-25T20:24:51.962" v="1924"/>
+          <ac:spMkLst>
+            <pc:docMk/>
+            <pc:sldMk cId="4218281971" sldId="263"/>
+            <ac:spMk id="3" creationId="{00000000-0000-0000-0000-000000000000}"/>
+          </ac:spMkLst>
+        </pc:spChg>
+        <pc:spChg chg="mod">
+          <ac:chgData name="Christopher Turner" userId="108b2705a18cd39f" providerId="LiveId" clId="{D6C44517-C345-4DCA-92BC-26BBAFC02020}" dt="2024-07-25T19:37:43.383" v="916" actId="20577"/>
+          <ac:spMkLst>
+            <pc:docMk/>
+            <pc:sldMk cId="4218281971" sldId="263"/>
+            <ac:spMk id="4" creationId="{6F78C5BD-FA19-F3BC-73FA-75F36732B267}"/>
+          </ac:spMkLst>
+        </pc:spChg>
+      </pc:sldChg>
+      <pc:sldChg chg="modSp add mod ord">
+        <pc:chgData name="Christopher Turner" userId="108b2705a18cd39f" providerId="LiveId" clId="{D6C44517-C345-4DCA-92BC-26BBAFC02020}" dt="2024-07-25T20:24:40.356" v="1922" actId="20577"/>
+        <pc:sldMkLst>
+          <pc:docMk/>
+          <pc:sldMk cId="4191233258" sldId="264"/>
+        </pc:sldMkLst>
+        <pc:spChg chg="mod">
+          <ac:chgData name="Christopher Turner" userId="108b2705a18cd39f" providerId="LiveId" clId="{D6C44517-C345-4DCA-92BC-26BBAFC02020}" dt="2024-07-25T19:37:59.660" v="947" actId="6549"/>
+          <ac:spMkLst>
+            <pc:docMk/>
+            <pc:sldMk cId="4191233258" sldId="264"/>
+            <ac:spMk id="2" creationId="{00000000-0000-0000-0000-000000000000}"/>
+          </ac:spMkLst>
+        </pc:spChg>
+        <pc:spChg chg="mod">
+          <ac:chgData name="Christopher Turner" userId="108b2705a18cd39f" providerId="LiveId" clId="{D6C44517-C345-4DCA-92BC-26BBAFC02020}" dt="2024-07-25T20:24:40.356" v="1922" actId="20577"/>
+          <ac:spMkLst>
+            <pc:docMk/>
+            <pc:sldMk cId="4191233258" sldId="264"/>
+            <ac:spMk id="3" creationId="{00000000-0000-0000-0000-000000000000}"/>
+          </ac:spMkLst>
+        </pc:spChg>
+        <pc:spChg chg="mod">
+          <ac:chgData name="Christopher Turner" userId="108b2705a18cd39f" providerId="LiveId" clId="{D6C44517-C345-4DCA-92BC-26BBAFC02020}" dt="2024-07-25T19:37:48.826" v="921" actId="20577"/>
+          <ac:spMkLst>
+            <pc:docMk/>
+            <pc:sldMk cId="4191233258" sldId="264"/>
+            <ac:spMk id="4" creationId="{6F78C5BD-FA19-F3BC-73FA-75F36732B267}"/>
+          </ac:spMkLst>
+        </pc:spChg>
+      </pc:sldChg>
+      <pc:sldChg chg="addSp modSp add mod">
+        <pc:chgData name="Christopher Turner" userId="108b2705a18cd39f" providerId="LiveId" clId="{D6C44517-C345-4DCA-92BC-26BBAFC02020}" dt="2024-07-25T19:46:49.951" v="1488"/>
+        <pc:sldMkLst>
+          <pc:docMk/>
+          <pc:sldMk cId="77602882" sldId="265"/>
+        </pc:sldMkLst>
+        <pc:spChg chg="mod">
+          <ac:chgData name="Christopher Turner" userId="108b2705a18cd39f" providerId="LiveId" clId="{D6C44517-C345-4DCA-92BC-26BBAFC02020}" dt="2024-07-25T19:38:41.875" v="1033" actId="20577"/>
+          <ac:spMkLst>
+            <pc:docMk/>
+            <pc:sldMk cId="77602882" sldId="265"/>
+            <ac:spMk id="2" creationId="{00000000-0000-0000-0000-000000000000}"/>
+          </ac:spMkLst>
+        </pc:spChg>
+        <pc:spChg chg="mod">
+          <ac:chgData name="Christopher Turner" userId="108b2705a18cd39f" providerId="LiveId" clId="{D6C44517-C345-4DCA-92BC-26BBAFC02020}" dt="2024-07-25T19:39:12.300" v="1079" actId="20577"/>
+          <ac:spMkLst>
+            <pc:docMk/>
+            <pc:sldMk cId="77602882" sldId="265"/>
+            <ac:spMk id="3" creationId="{00000000-0000-0000-0000-000000000000}"/>
+          </ac:spMkLst>
+        </pc:spChg>
+        <pc:spChg chg="mod">
+          <ac:chgData name="Christopher Turner" userId="108b2705a18cd39f" providerId="LiveId" clId="{D6C44517-C345-4DCA-92BC-26BBAFC02020}" dt="2024-07-25T19:45:27.579" v="1487" actId="20577"/>
+          <ac:spMkLst>
+            <pc:docMk/>
+            <pc:sldMk cId="77602882" sldId="265"/>
+            <ac:spMk id="4" creationId="{6F78C5BD-FA19-F3BC-73FA-75F36732B267}"/>
+          </ac:spMkLst>
+        </pc:spChg>
+        <pc:spChg chg="add">
+          <ac:chgData name="Christopher Turner" userId="108b2705a18cd39f" providerId="LiveId" clId="{D6C44517-C345-4DCA-92BC-26BBAFC02020}" dt="2024-07-25T19:46:49.951" v="1488"/>
+          <ac:spMkLst>
+            <pc:docMk/>
+            <pc:sldMk cId="77602882" sldId="265"/>
+            <ac:spMk id="5" creationId="{BA5DC2C7-4EC1-91D1-04DB-0268B58EF734}"/>
+          </ac:spMkLst>
+        </pc:spChg>
+      </pc:sldChg>
+      <pc:sldChg chg="add del">
+        <pc:chgData name="Christopher Turner" userId="108b2705a18cd39f" providerId="LiveId" clId="{D6C44517-C345-4DCA-92BC-26BBAFC02020}" dt="2024-07-25T19:39:23.194" v="1081" actId="2890"/>
+        <pc:sldMkLst>
+          <pc:docMk/>
+          <pc:sldMk cId="242601211" sldId="266"/>
+        </pc:sldMkLst>
+      </pc:sldChg>
+      <pc:sldChg chg="modSp new mod ord">
+        <pc:chgData name="Christopher Turner" userId="108b2705a18cd39f" providerId="LiveId" clId="{D6C44517-C345-4DCA-92BC-26BBAFC02020}" dt="2024-07-25T19:43:02.996" v="1373"/>
+        <pc:sldMkLst>
+          <pc:docMk/>
+          <pc:sldMk cId="2357912295" sldId="266"/>
+        </pc:sldMkLst>
+        <pc:spChg chg="mod">
+          <ac:chgData name="Christopher Turner" userId="108b2705a18cd39f" providerId="LiveId" clId="{D6C44517-C345-4DCA-92BC-26BBAFC02020}" dt="2024-07-25T19:40:53.758" v="1270" actId="20577"/>
+          <ac:spMkLst>
+            <pc:docMk/>
+            <pc:sldMk cId="2357912295" sldId="266"/>
+            <ac:spMk id="2" creationId="{3D7B3BD4-ECBA-DED0-C9B9-A577AF386EB5}"/>
+          </ac:spMkLst>
+        </pc:spChg>
+        <pc:spChg chg="mod">
+          <ac:chgData name="Christopher Turner" userId="108b2705a18cd39f" providerId="LiveId" clId="{D6C44517-C345-4DCA-92BC-26BBAFC02020}" dt="2024-07-25T19:40:47.435" v="1262" actId="20577"/>
+          <ac:spMkLst>
+            <pc:docMk/>
+            <pc:sldMk cId="2357912295" sldId="266"/>
+            <ac:spMk id="3" creationId="{F95E2A37-E369-BD1A-E50B-B049F9C4C2CC}"/>
+          </ac:spMkLst>
+        </pc:spChg>
+      </pc:sldChg>
+      <pc:sldChg chg="modSp add mod ord">
+        <pc:chgData name="Christopher Turner" userId="108b2705a18cd39f" providerId="LiveId" clId="{D6C44517-C345-4DCA-92BC-26BBAFC02020}" dt="2024-07-25T19:43:12.129" v="1375"/>
+        <pc:sldMkLst>
+          <pc:docMk/>
+          <pc:sldMk cId="695019442" sldId="267"/>
+        </pc:sldMkLst>
+        <pc:spChg chg="mod">
+          <ac:chgData name="Christopher Turner" userId="108b2705a18cd39f" providerId="LiveId" clId="{D6C44517-C345-4DCA-92BC-26BBAFC02020}" dt="2024-07-25T19:40:58.685" v="1272" actId="20577"/>
+          <ac:spMkLst>
+            <pc:docMk/>
+            <pc:sldMk cId="695019442" sldId="267"/>
+            <ac:spMk id="2" creationId="{3D7B3BD4-ECBA-DED0-C9B9-A577AF386EB5}"/>
+          </ac:spMkLst>
+        </pc:spChg>
+      </pc:sldChg>
+      <pc:sldChg chg="modSp add mod ord">
+        <pc:chgData name="Christopher Turner" userId="108b2705a18cd39f" providerId="LiveId" clId="{D6C44517-C345-4DCA-92BC-26BBAFC02020}" dt="2024-07-25T19:43:44.415" v="1391" actId="20577"/>
+        <pc:sldMkLst>
+          <pc:docMk/>
+          <pc:sldMk cId="3298747479" sldId="268"/>
+        </pc:sldMkLst>
+        <pc:spChg chg="mod">
+          <ac:chgData name="Christopher Turner" userId="108b2705a18cd39f" providerId="LiveId" clId="{D6C44517-C345-4DCA-92BC-26BBAFC02020}" dt="2024-07-25T19:43:44.415" v="1391" actId="20577"/>
+          <ac:spMkLst>
+            <pc:docMk/>
+            <pc:sldMk cId="3298747479" sldId="268"/>
+            <ac:spMk id="2" creationId="{3D7B3BD4-ECBA-DED0-C9B9-A577AF386EB5}"/>
+          </ac:spMkLst>
+        </pc:spChg>
+      </pc:sldChg>
+      <pc:sldChg chg="modSp add mod">
+        <pc:chgData name="Christopher Turner" userId="108b2705a18cd39f" providerId="LiveId" clId="{D6C44517-C345-4DCA-92BC-26BBAFC02020}" dt="2024-07-25T19:41:23.615" v="1296" actId="20577"/>
+        <pc:sldMkLst>
+          <pc:docMk/>
+          <pc:sldMk cId="232526807" sldId="269"/>
+        </pc:sldMkLst>
+        <pc:spChg chg="mod">
+          <ac:chgData name="Christopher Turner" userId="108b2705a18cd39f" providerId="LiveId" clId="{D6C44517-C345-4DCA-92BC-26BBAFC02020}" dt="2024-07-25T19:41:23.615" v="1296" actId="20577"/>
+          <ac:spMkLst>
+            <pc:docMk/>
+            <pc:sldMk cId="232526807" sldId="269"/>
+            <ac:spMk id="2" creationId="{3D7B3BD4-ECBA-DED0-C9B9-A577AF386EB5}"/>
+          </ac:spMkLst>
+        </pc:spChg>
+      </pc:sldChg>
+      <pc:sldChg chg="add">
+        <pc:chgData name="Christopher Turner" userId="108b2705a18cd39f" providerId="LiveId" clId="{D6C44517-C345-4DCA-92BC-26BBAFC02020}" dt="2024-07-25T19:43:31.155" v="1376" actId="2890"/>
+        <pc:sldMkLst>
+          <pc:docMk/>
+          <pc:sldMk cId="2249364170" sldId="270"/>
+        </pc:sldMkLst>
+      </pc:sldChg>
+      <pc:sldChg chg="modSp add mod">
+        <pc:chgData name="Christopher Turner" userId="108b2705a18cd39f" providerId="LiveId" clId="{D6C44517-C345-4DCA-92BC-26BBAFC02020}" dt="2024-07-25T19:44:00.134" v="1394" actId="20577"/>
+        <pc:sldMkLst>
+          <pc:docMk/>
+          <pc:sldMk cId="1221097782" sldId="271"/>
+        </pc:sldMkLst>
+        <pc:spChg chg="mod">
+          <ac:chgData name="Christopher Turner" userId="108b2705a18cd39f" providerId="LiveId" clId="{D6C44517-C345-4DCA-92BC-26BBAFC02020}" dt="2024-07-25T19:44:00.134" v="1394" actId="20577"/>
+          <ac:spMkLst>
+            <pc:docMk/>
+            <pc:sldMk cId="1221097782" sldId="271"/>
+            <ac:spMk id="2" creationId="{3D7B3BD4-ECBA-DED0-C9B9-A577AF386EB5}"/>
+          </ac:spMkLst>
+        </pc:spChg>
+      </pc:sldChg>
+      <pc:sldChg chg="modSp add mod">
+        <pc:chgData name="Christopher Turner" userId="108b2705a18cd39f" providerId="LiveId" clId="{D6C44517-C345-4DCA-92BC-26BBAFC02020}" dt="2024-07-25T20:25:37.664" v="2012" actId="20577"/>
+        <pc:sldMkLst>
+          <pc:docMk/>
+          <pc:sldMk cId="3624028729" sldId="272"/>
+        </pc:sldMkLst>
+        <pc:spChg chg="mod">
+          <ac:chgData name="Christopher Turner" userId="108b2705a18cd39f" providerId="LiveId" clId="{D6C44517-C345-4DCA-92BC-26BBAFC02020}" dt="2024-07-25T19:49:07.729" v="1717" actId="20577"/>
+          <ac:spMkLst>
+            <pc:docMk/>
+            <pc:sldMk cId="3624028729" sldId="272"/>
+            <ac:spMk id="2" creationId="{00000000-0000-0000-0000-000000000000}"/>
+          </ac:spMkLst>
+        </pc:spChg>
+        <pc:spChg chg="mod">
+          <ac:chgData name="Christopher Turner" userId="108b2705a18cd39f" providerId="LiveId" clId="{D6C44517-C345-4DCA-92BC-26BBAFC02020}" dt="2024-07-25T20:25:37.664" v="2012" actId="20577"/>
+          <ac:spMkLst>
+            <pc:docMk/>
+            <pc:sldMk cId="3624028729" sldId="272"/>
+            <ac:spMk id="3" creationId="{00000000-0000-0000-0000-000000000000}"/>
+          </ac:spMkLst>
+        </pc:spChg>
+      </pc:sldChg>
+    </pc:docChg>
+  </pc:docChgLst>
+  <pc:docChgLst>
+    <pc:chgData name="Christopher Turner" userId="108b2705a18cd39f" providerId="LiveId" clId="{4FE8CBD7-78BF-4B93-AD3E-27E34B92CF03}"/>
+    <pc:docChg chg="undo custSel modSld">
+      <pc:chgData name="Christopher Turner" userId="108b2705a18cd39f" providerId="LiveId" clId="{4FE8CBD7-78BF-4B93-AD3E-27E34B92CF03}" dt="2024-07-29T22:08:59.279" v="111" actId="1076"/>
+      <pc:docMkLst>
+        <pc:docMk/>
+      </pc:docMkLst>
+      <pc:sldChg chg="addSp delSp modSp mod">
+        <pc:chgData name="Christopher Turner" userId="108b2705a18cd39f" providerId="LiveId" clId="{4FE8CBD7-78BF-4B93-AD3E-27E34B92CF03}" dt="2024-07-29T22:08:39.236" v="75" actId="1037"/>
+        <pc:sldMkLst>
+          <pc:docMk/>
+          <pc:sldMk cId="81684999" sldId="276"/>
+        </pc:sldMkLst>
+        <pc:spChg chg="mod">
+          <ac:chgData name="Christopher Turner" userId="108b2705a18cd39f" providerId="LiveId" clId="{4FE8CBD7-78BF-4B93-AD3E-27E34B92CF03}" dt="2024-07-29T21:59:41.860" v="31" actId="1076"/>
+          <ac:spMkLst>
+            <pc:docMk/>
+            <pc:sldMk cId="81684999" sldId="276"/>
+            <ac:spMk id="3" creationId="{F95E2A37-E369-BD1A-E50B-B049F9C4C2CC}"/>
+          </ac:spMkLst>
+        </pc:spChg>
+        <pc:spChg chg="mod">
+          <ac:chgData name="Christopher Turner" userId="108b2705a18cd39f" providerId="LiveId" clId="{4FE8CBD7-78BF-4B93-AD3E-27E34B92CF03}" dt="2024-07-29T22:08:39.236" v="75" actId="1037"/>
+          <ac:spMkLst>
+            <pc:docMk/>
+            <pc:sldMk cId="81684999" sldId="276"/>
+            <ac:spMk id="6" creationId="{4104B51A-6C83-3663-1160-E079108B01E5}"/>
+          </ac:spMkLst>
+        </pc:spChg>
+        <pc:spChg chg="mod">
+          <ac:chgData name="Christopher Turner" userId="108b2705a18cd39f" providerId="LiveId" clId="{4FE8CBD7-78BF-4B93-AD3E-27E34B92CF03}" dt="2024-07-29T21:56:23.950" v="0" actId="20577"/>
+          <ac:spMkLst>
+            <pc:docMk/>
+            <pc:sldMk cId="81684999" sldId="276"/>
+            <ac:spMk id="10" creationId="{DBEC776E-E2BB-CC44-1EA1-744B77246396}"/>
+          </ac:spMkLst>
+        </pc:spChg>
+        <pc:spChg chg="mod">
+          <ac:chgData name="Christopher Turner" userId="108b2705a18cd39f" providerId="LiveId" clId="{4FE8CBD7-78BF-4B93-AD3E-27E34B92CF03}" dt="2024-07-29T22:00:01.797" v="39" actId="14100"/>
+          <ac:spMkLst>
+            <pc:docMk/>
+            <pc:sldMk cId="81684999" sldId="276"/>
+            <ac:spMk id="18" creationId="{34C3CB71-02F5-6B27-265E-AF122730097B}"/>
+          </ac:spMkLst>
+        </pc:spChg>
+        <pc:grpChg chg="add del">
+          <ac:chgData name="Christopher Turner" userId="108b2705a18cd39f" providerId="LiveId" clId="{4FE8CBD7-78BF-4B93-AD3E-27E34B92CF03}" dt="2024-07-29T21:59:29.671" v="26" actId="478"/>
+          <ac:grpSpMkLst>
+            <pc:docMk/>
+            <pc:sldMk cId="81684999" sldId="276"/>
+            <ac:grpSpMk id="8" creationId="{DDEBE423-5BB0-1151-5816-6C62721B10A5}"/>
+          </ac:grpSpMkLst>
+        </pc:grpChg>
+        <pc:picChg chg="add del mod">
+          <ac:chgData name="Christopher Turner" userId="108b2705a18cd39f" providerId="LiveId" clId="{4FE8CBD7-78BF-4B93-AD3E-27E34B92CF03}" dt="2024-07-29T21:58:33.813" v="20" actId="478"/>
+          <ac:picMkLst>
+            <pc:docMk/>
+            <pc:sldMk cId="81684999" sldId="276"/>
+            <ac:picMk id="4" creationId="{545162EB-87CC-5B77-91DC-5C2AE176BF52}"/>
+          </ac:picMkLst>
+        </pc:picChg>
+        <pc:picChg chg="add mod">
+          <ac:chgData name="Christopher Turner" userId="108b2705a18cd39f" providerId="LiveId" clId="{4FE8CBD7-78BF-4B93-AD3E-27E34B92CF03}" dt="2024-07-29T22:00:05.212" v="44" actId="1035"/>
+          <ac:picMkLst>
+            <pc:docMk/>
+            <pc:sldMk cId="81684999" sldId="276"/>
+            <ac:picMk id="7" creationId="{8AD21E31-BAAC-48BF-5E38-922BAE70807D}"/>
+          </ac:picMkLst>
+        </pc:picChg>
+      </pc:sldChg>
+      <pc:sldChg chg="modSp mod">
+        <pc:chgData name="Christopher Turner" userId="108b2705a18cd39f" providerId="LiveId" clId="{4FE8CBD7-78BF-4B93-AD3E-27E34B92CF03}" dt="2024-07-29T22:08:59.279" v="111" actId="1076"/>
+        <pc:sldMkLst>
+          <pc:docMk/>
+          <pc:sldMk cId="3213317525" sldId="277"/>
+        </pc:sldMkLst>
+        <pc:spChg chg="mod">
+          <ac:chgData name="Christopher Turner" userId="108b2705a18cd39f" providerId="LiveId" clId="{4FE8CBD7-78BF-4B93-AD3E-27E34B92CF03}" dt="2024-07-29T22:08:59.279" v="111" actId="1076"/>
+          <ac:spMkLst>
+            <pc:docMk/>
+            <pc:sldMk cId="3213317525" sldId="277"/>
+            <ac:spMk id="6" creationId="{4104B51A-6C83-3663-1160-E079108B01E5}"/>
+          </ac:spMkLst>
+        </pc:spChg>
       </pc:sldChg>
     </pc:docChg>
   </pc:docChgLst>
@@ -10144,7 +10191,7 @@
                 <a:latin typeface="Segoe UI Semilight" panose="020B0402040204020203" pitchFamily="34" charset="0"/>
                 <a:cs typeface="Segoe UI Semilight" panose="020B0402040204020203" pitchFamily="34" charset="0"/>
               </a:rPr>
-              <a:t>Our assumption is to find a genre with the highest return on investment, find the optimal budget range with the best rate on return and determine how a high rating to aim for to entice movie goers.</a:t>
+              <a:t>Our assumption was to find a genre with the highest return on investment, the optimal budget range with the best rate of return and determine how of a high rating to aim for to entice movie goers.</a:t>
             </a:r>
           </a:p>
           <a:p>
@@ -10275,7 +10322,7 @@
                 <a:latin typeface="Segoe UI Semilight" panose="020B0402040204020203" pitchFamily="34" charset="0"/>
                 <a:cs typeface="Segoe UI Semilight" panose="020B0402040204020203" pitchFamily="34" charset="0"/>
               </a:rPr>
-              <a:t>We looked at only theater released movies within the range of 2005-2015 with a ‘measurable’ budget and revenue: minimum $5000 for each</a:t>
+              <a:t>We looked at only theater released movies within the year range of 2005-2015 with a ‘measurable’ budget and revenue: minimum $5000 for each</a:t>
             </a:r>
           </a:p>
           <a:p>
@@ -10459,18 +10506,13 @@
           <a:p>
             <a:pPr algn="ctr"/>
             <a:r>
-              <a:rPr lang="en-US" sz="3200" dirty="0">
+              <a:rPr lang="en-US" sz="3000" dirty="0">
                 <a:solidFill>
                   <a:srgbClr val="FFFFFF"/>
                 </a:solidFill>
               </a:rPr>
-              <a:t>Acquiring the data</a:t>
-            </a:r>
-            <a:endParaRPr lang="en-US" sz="1400" dirty="0">
-              <a:solidFill>
-                <a:srgbClr val="FFFFFF"/>
-              </a:solidFill>
-            </a:endParaRPr>
+              <a:t>Quick take of the data acquisition</a:t>
+            </a:r>
           </a:p>
         </p:txBody>
       </p:sp>
@@ -10498,7 +10540,7 @@
           <a:p>
             <a:r>
               <a:rPr lang="en-US" dirty="0"/>
-              <a:t>Import and clean the data set, “</a:t>
+              <a:t>Data set, “</a:t>
             </a:r>
             <a:r>
               <a:rPr lang="en-US" i="0" dirty="0">
@@ -10514,28 +10556,24 @@
             </a:r>
             <a:r>
               <a:rPr lang="en-US" dirty="0"/>
-              <a:t>from Kaggle with over 3500 upvotes which has a Usability rating of 8.24 and 45,000 movies.</a:t>
+              <a:t>from Kaggle with over 3500 upvotes which has a Usability rating of 8.24 and 45,000 movies. This was needed for its budget and revenue data.</a:t>
             </a:r>
           </a:p>
           <a:p>
             <a:r>
               <a:rPr lang="en-US" dirty="0"/>
-              <a:t>Based on our criteria, we filtered that down to 2,316 movies for our data.</a:t>
+              <a:t>Based on our criteria, we filtered that down to 2,316 movies for our dataset.</a:t>
             </a:r>
           </a:p>
           <a:p>
             <a:r>
               <a:rPr lang="en-US" dirty="0"/>
-              <a:t>Created an API call for OMDB to cross reference with the cleaned data set by utilizing the IMDB ID, a universal standard for movie data. </a:t>
-            </a:r>
-          </a:p>
-          <a:p>
-            <a:r>
-              <a:rPr lang="en-US" dirty="0"/>
-              <a:t>Merge and parse that data and prep for further exploration</a:t>
-            </a:r>
-          </a:p>
-          <a:p>
+              <a:t>Created an API call for OMDB to cross reference with the cleaned data set by utilizing IMDB ID’s, which is a universal standard for movie data. This was needed for ratings and number of votes </a:t>
+            </a:r>
+            <a:r>
+              <a:rPr lang="en-US"/>
+              <a:t>data.</a:t>
+            </a:r>
             <a:endParaRPr lang="en-US" dirty="0"/>
           </a:p>
         </p:txBody>

--- a/MoMoviesPrez_WithCode.pptx
+++ b/MoMoviesPrez_WithCode.pptx
@@ -135,6 +135,7 @@
 <p1510:revInfo xmlns:a="http://schemas.openxmlformats.org/drawingml/2006/main" xmlns:r="http://schemas.openxmlformats.org/officeDocument/2006/relationships" xmlns:p1510="http://schemas.microsoft.com/office/powerpoint/2015/10/main">
   <p1510:revLst>
     <p1510:client id="{4FE8CBD7-78BF-4B93-AD3E-27E34B92CF03}" v="2" dt="2024-07-29T21:59:23.690"/>
+    <p1510:client id="{8F68308C-8523-438D-B8E9-DC8F8B4FF037}" v="1" dt="2024-07-30T02:24:28.244"/>
     <p1510:client id="{BB522EC8-7459-41E9-8DB6-C34E2288C19E}" v="19" dt="2024-07-29T18:04:47.835"/>
   </p1510:revLst>
 </p1510:revInfo>
@@ -1140,7 +1141,7 @@
   <pc:docChgLst>
     <pc:chgData name="Christopher Turner" userId="108b2705a18cd39f" providerId="LiveId" clId="{8F68308C-8523-438D-B8E9-DC8F8B4FF037}"/>
     <pc:docChg chg="custSel modSld">
-      <pc:chgData name="Christopher Turner" userId="108b2705a18cd39f" providerId="LiveId" clId="{8F68308C-8523-438D-B8E9-DC8F8B4FF037}" dt="2024-07-29T23:40:22.868" v="316" actId="20577"/>
+      <pc:chgData name="Christopher Turner" userId="108b2705a18cd39f" providerId="LiveId" clId="{8F68308C-8523-438D-B8E9-DC8F8B4FF037}" dt="2024-07-30T02:28:56.888" v="388" actId="20577"/>
       <pc:docMkLst>
         <pc:docMk/>
       </pc:docMkLst>
@@ -1179,6 +1180,68 @@
             <pc:docMk/>
             <pc:sldMk cId="3382765918" sldId="259"/>
             <ac:spMk id="3" creationId="{00000000-0000-0000-0000-000000000000}"/>
+          </ac:spMkLst>
+        </pc:spChg>
+      </pc:sldChg>
+      <pc:sldChg chg="addSp delSp modSp mod">
+        <pc:chgData name="Christopher Turner" userId="108b2705a18cd39f" providerId="LiveId" clId="{8F68308C-8523-438D-B8E9-DC8F8B4FF037}" dt="2024-07-30T02:24:42.063" v="325" actId="1076"/>
+        <pc:sldMkLst>
+          <pc:docMk/>
+          <pc:sldMk cId="81684999" sldId="276"/>
+        </pc:sldMkLst>
+        <pc:spChg chg="mod">
+          <ac:chgData name="Christopher Turner" userId="108b2705a18cd39f" providerId="LiveId" clId="{8F68308C-8523-438D-B8E9-DC8F8B4FF037}" dt="2024-07-30T02:24:42.063" v="325" actId="1076"/>
+          <ac:spMkLst>
+            <pc:docMk/>
+            <pc:sldMk cId="81684999" sldId="276"/>
+            <ac:spMk id="18" creationId="{34C3CB71-02F5-6B27-265E-AF122730097B}"/>
+          </ac:spMkLst>
+        </pc:spChg>
+        <pc:picChg chg="add mod">
+          <ac:chgData name="Christopher Turner" userId="108b2705a18cd39f" providerId="LiveId" clId="{8F68308C-8523-438D-B8E9-DC8F8B4FF037}" dt="2024-07-30T02:24:35.516" v="323" actId="14100"/>
+          <ac:picMkLst>
+            <pc:docMk/>
+            <pc:sldMk cId="81684999" sldId="276"/>
+            <ac:picMk id="4" creationId="{AD5E66FD-AECB-3D51-F25D-51FCB10C750B}"/>
+          </ac:picMkLst>
+        </pc:picChg>
+        <pc:picChg chg="del">
+          <ac:chgData name="Christopher Turner" userId="108b2705a18cd39f" providerId="LiveId" clId="{8F68308C-8523-438D-B8E9-DC8F8B4FF037}" dt="2024-07-30T02:24:17.522" v="317" actId="478"/>
+          <ac:picMkLst>
+            <pc:docMk/>
+            <pc:sldMk cId="81684999" sldId="276"/>
+            <ac:picMk id="7" creationId="{8AD21E31-BAAC-48BF-5E38-922BAE70807D}"/>
+          </ac:picMkLst>
+        </pc:picChg>
+        <pc:picChg chg="mod">
+          <ac:chgData name="Christopher Turner" userId="108b2705a18cd39f" providerId="LiveId" clId="{8F68308C-8523-438D-B8E9-DC8F8B4FF037}" dt="2024-07-30T02:24:37.015" v="324" actId="1076"/>
+          <ac:picMkLst>
+            <pc:docMk/>
+            <pc:sldMk cId="81684999" sldId="276"/>
+            <ac:picMk id="16" creationId="{FCF9F9C8-B2EF-96BB-993B-2A44117B787C}"/>
+          </ac:picMkLst>
+        </pc:picChg>
+      </pc:sldChg>
+      <pc:sldChg chg="modSp mod">
+        <pc:chgData name="Christopher Turner" userId="108b2705a18cd39f" providerId="LiveId" clId="{8F68308C-8523-438D-B8E9-DC8F8B4FF037}" dt="2024-07-30T02:28:56.888" v="388" actId="20577"/>
+        <pc:sldMkLst>
+          <pc:docMk/>
+          <pc:sldMk cId="3213317525" sldId="277"/>
+        </pc:sldMkLst>
+        <pc:spChg chg="mod">
+          <ac:chgData name="Christopher Turner" userId="108b2705a18cd39f" providerId="LiveId" clId="{8F68308C-8523-438D-B8E9-DC8F8B4FF037}" dt="2024-07-30T02:28:51.611" v="379" actId="14100"/>
+          <ac:spMkLst>
+            <pc:docMk/>
+            <pc:sldMk cId="3213317525" sldId="277"/>
+            <ac:spMk id="3" creationId="{F95E2A37-E369-BD1A-E50B-B049F9C4C2CC}"/>
+          </ac:spMkLst>
+        </pc:spChg>
+        <pc:spChg chg="mod">
+          <ac:chgData name="Christopher Turner" userId="108b2705a18cd39f" providerId="LiveId" clId="{8F68308C-8523-438D-B8E9-DC8F8B4FF037}" dt="2024-07-30T02:28:56.888" v="388" actId="20577"/>
+          <ac:spMkLst>
+            <pc:docMk/>
+            <pc:sldMk cId="3213317525" sldId="277"/>
+            <ac:spMk id="5" creationId="{46E64252-C676-5A42-B746-5163FEDF0909}"/>
           </ac:spMkLst>
         </pc:spChg>
       </pc:sldChg>
@@ -9293,7 +9356,7 @@
         </p:blipFill>
         <p:spPr>
           <a:xfrm>
-            <a:off x="6096000" y="1146633"/>
+            <a:off x="6491926" y="1124481"/>
             <a:ext cx="5320757" cy="4352523"/>
           </a:xfrm>
           <a:prstGeom prst="rect">
@@ -9317,7 +9380,7 @@
         </p:nvSpPr>
         <p:spPr>
           <a:xfrm>
-            <a:off x="5884082" y="5520910"/>
+            <a:off x="5884082" y="5787055"/>
             <a:ext cx="6307918" cy="733855"/>
           </a:xfrm>
           <a:prstGeom prst="rect">
@@ -9542,10 +9605,10 @@
       </p:sp>
       <p:pic>
         <p:nvPicPr>
-          <p:cNvPr id="7" name="Picture 6" descr="A colorful pie chart with text&#10;&#10;Description automatically generated">
+          <p:cNvPr id="4" name="Picture 3" descr="A graph of movies in genre&#10;&#10;Description automatically generated">
             <a:extLst>
               <a:ext uri="{FF2B5EF4-FFF2-40B4-BE49-F238E27FC236}">
-                <a16:creationId xmlns:a16="http://schemas.microsoft.com/office/drawing/2014/main" id="{8AD21E31-BAAC-48BF-5E38-922BAE70807D}"/>
+                <a16:creationId xmlns:a16="http://schemas.microsoft.com/office/drawing/2014/main" id="{AD5E66FD-AECB-3D51-F25D-51FCB10C750B}"/>
               </a:ext>
             </a:extLst>
           </p:cNvPr>
@@ -9562,8 +9625,8 @@
         </p:blipFill>
         <p:spPr>
           <a:xfrm>
-            <a:off x="173881" y="1378775"/>
-            <a:ext cx="5710201" cy="5234801"/>
+            <a:off x="173881" y="1380996"/>
+            <a:ext cx="6481443" cy="4614421"/>
           </a:xfrm>
           <a:prstGeom prst="rect">
             <a:avLst/>
@@ -9618,8 +9681,8 @@
         </p:nvSpPr>
         <p:spPr>
           <a:xfrm>
-            <a:off x="581025" y="1180804"/>
-            <a:ext cx="4175801" cy="3935945"/>
+            <a:off x="405353" y="1180804"/>
+            <a:ext cx="4633575" cy="3935945"/>
           </a:xfrm>
         </p:spPr>
         <p:txBody>
@@ -9632,7 +9695,7 @@
                   <a:schemeClr val="tx1"/>
                 </a:solidFill>
               </a:rPr>
-              <a:t>Shown previously,  Adventure has a low saturation.</a:t>
+              <a:t>Shown previously,  Adventure has a low market saturation.</a:t>
             </a:r>
           </a:p>
           <a:p>
@@ -9652,7 +9715,7 @@
                   <a:schemeClr val="tx1"/>
                 </a:solidFill>
               </a:rPr>
-              <a:t>This make genre a great choice for a new movie.</a:t>
+              <a:t>This makes the adventure genre a great choice for a new movie.</a:t>
             </a:r>
           </a:p>
         </p:txBody>
@@ -9783,9 +9846,9 @@
         <p:grpSpPr>
           <a:xfrm>
             <a:off x="5038928" y="1180804"/>
-            <a:ext cx="7062280" cy="5677196"/>
+            <a:ext cx="7062280" cy="5086356"/>
             <a:chOff x="0" y="0"/>
-            <a:chExt cx="3603625" cy="3158490"/>
+            <a:chExt cx="3603625" cy="2829778"/>
           </a:xfrm>
         </p:grpSpPr>
         <p:pic>
@@ -9839,7 +9902,7 @@
           <p:spPr>
             <a:xfrm>
               <a:off x="0" y="2752725"/>
-              <a:ext cx="3603625" cy="405765"/>
+              <a:ext cx="3603625" cy="77053"/>
             </a:xfrm>
             <a:prstGeom prst="rect">
               <a:avLst/>
@@ -9878,7 +9941,19 @@
                   <a:ea typeface="Calibri" panose="020F0502020204030204" pitchFamily="34" charset="0"/>
                   <a:cs typeface="Times New Roman" panose="02020603050405020304" pitchFamily="18" charset="0"/>
                 </a:rPr>
-                <a:t>Figure 7 Adventure and action movies deliver the highest return on investment.</a:t>
+                <a:t>Adventure </a:t>
+              </a:r>
+              <a:r>
+                <a:rPr lang="en-US" sz="900" i="1" kern="100" dirty="0">
+                  <a:solidFill>
+                    <a:srgbClr val="44546A"/>
+                  </a:solidFill>
+                  <a:effectLst/>
+                  <a:latin typeface="Calibri" panose="020F0502020204030204" pitchFamily="34" charset="0"/>
+                  <a:ea typeface="Calibri" panose="020F0502020204030204" pitchFamily="34" charset="0"/>
+                  <a:cs typeface="Times New Roman" panose="02020603050405020304" pitchFamily="18" charset="0"/>
+                </a:rPr>
+                <a:t>and action movies deliver the highest return on investment.</a:t>
               </a:r>
             </a:p>
           </p:txBody>
